--- a/Presentazione/Template/hw3_Source Discovery.pptx
+++ b/Presentazione/Template/hw3_Source Discovery.pptx
@@ -3132,7 +3132,7 @@
           <a:p>
             <a:fld id="{6AC9EEA8-6CD0-4A8D-958C-BEF47C5BCE7A}" type="datetimeFigureOut">
               <a:rPr lang="it-IT" smtClean="0"/>
-              <a:t>06/12/2022</a:t>
+              <a:t>07/12/2022</a:t>
             </a:fld>
             <a:endParaRPr lang="it-IT"/>
           </a:p>
@@ -3714,7 +3714,7 @@
           <a:p>
             <a:fld id="{895AA328-1664-4279-8B01-35607AA332DA}" type="datetimeFigureOut">
               <a:rPr lang="it-IT" smtClean="0"/>
-              <a:t>06/12/2022</a:t>
+              <a:t>07/12/2022</a:t>
             </a:fld>
             <a:endParaRPr lang="it-IT"/>
           </a:p>
@@ -3912,7 +3912,7 @@
           <a:p>
             <a:fld id="{895AA328-1664-4279-8B01-35607AA332DA}" type="datetimeFigureOut">
               <a:rPr lang="it-IT" smtClean="0"/>
-              <a:t>06/12/2022</a:t>
+              <a:t>07/12/2022</a:t>
             </a:fld>
             <a:endParaRPr lang="it-IT"/>
           </a:p>
@@ -4120,7 +4120,7 @@
           <a:p>
             <a:fld id="{895AA328-1664-4279-8B01-35607AA332DA}" type="datetimeFigureOut">
               <a:rPr lang="it-IT" smtClean="0"/>
-              <a:t>06/12/2022</a:t>
+              <a:t>07/12/2022</a:t>
             </a:fld>
             <a:endParaRPr lang="it-IT"/>
           </a:p>
@@ -4318,7 +4318,7 @@
           <a:p>
             <a:fld id="{895AA328-1664-4279-8B01-35607AA332DA}" type="datetimeFigureOut">
               <a:rPr lang="it-IT" smtClean="0"/>
-              <a:t>06/12/2022</a:t>
+              <a:t>07/12/2022</a:t>
             </a:fld>
             <a:endParaRPr lang="it-IT"/>
           </a:p>
@@ -4593,7 +4593,7 @@
           <a:p>
             <a:fld id="{895AA328-1664-4279-8B01-35607AA332DA}" type="datetimeFigureOut">
               <a:rPr lang="it-IT" smtClean="0"/>
-              <a:t>06/12/2022</a:t>
+              <a:t>07/12/2022</a:t>
             </a:fld>
             <a:endParaRPr lang="it-IT"/>
           </a:p>
@@ -4858,7 +4858,7 @@
           <a:p>
             <a:fld id="{895AA328-1664-4279-8B01-35607AA332DA}" type="datetimeFigureOut">
               <a:rPr lang="it-IT" smtClean="0"/>
-              <a:t>06/12/2022</a:t>
+              <a:t>07/12/2022</a:t>
             </a:fld>
             <a:endParaRPr lang="it-IT"/>
           </a:p>
@@ -5270,7 +5270,7 @@
           <a:p>
             <a:fld id="{895AA328-1664-4279-8B01-35607AA332DA}" type="datetimeFigureOut">
               <a:rPr lang="it-IT" smtClean="0"/>
-              <a:t>06/12/2022</a:t>
+              <a:t>07/12/2022</a:t>
             </a:fld>
             <a:endParaRPr lang="it-IT"/>
           </a:p>
@@ -5411,7 +5411,7 @@
           <a:p>
             <a:fld id="{895AA328-1664-4279-8B01-35607AA332DA}" type="datetimeFigureOut">
               <a:rPr lang="it-IT" smtClean="0"/>
-              <a:t>06/12/2022</a:t>
+              <a:t>07/12/2022</a:t>
             </a:fld>
             <a:endParaRPr lang="it-IT"/>
           </a:p>
@@ -5524,7 +5524,7 @@
           <a:p>
             <a:fld id="{895AA328-1664-4279-8B01-35607AA332DA}" type="datetimeFigureOut">
               <a:rPr lang="it-IT" smtClean="0"/>
-              <a:t>06/12/2022</a:t>
+              <a:t>07/12/2022</a:t>
             </a:fld>
             <a:endParaRPr lang="it-IT"/>
           </a:p>
@@ -5835,7 +5835,7 @@
           <a:p>
             <a:fld id="{895AA328-1664-4279-8B01-35607AA332DA}" type="datetimeFigureOut">
               <a:rPr lang="it-IT" smtClean="0"/>
-              <a:t>06/12/2022</a:t>
+              <a:t>07/12/2022</a:t>
             </a:fld>
             <a:endParaRPr lang="it-IT"/>
           </a:p>
@@ -6123,7 +6123,7 @@
           <a:p>
             <a:fld id="{895AA328-1664-4279-8B01-35607AA332DA}" type="datetimeFigureOut">
               <a:rPr lang="it-IT" smtClean="0"/>
-              <a:t>06/12/2022</a:t>
+              <a:t>07/12/2022</a:t>
             </a:fld>
             <a:endParaRPr lang="it-IT"/>
           </a:p>
@@ -6364,7 +6364,7 @@
           <a:p>
             <a:fld id="{895AA328-1664-4279-8B01-35607AA332DA}" type="datetimeFigureOut">
               <a:rPr lang="it-IT" smtClean="0"/>
-              <a:t>06/12/2022</a:t>
+              <a:t>07/12/2022</a:t>
             </a:fld>
             <a:endParaRPr lang="it-IT"/>
           </a:p>
@@ -20947,13 +20947,11 @@
             <a:avLst/>
           </a:prstGeom>
           <a:solidFill>
-            <a:srgbClr val="FF66FF">
-              <a:alpha val="40000"/>
-            </a:srgbClr>
+            <a:srgbClr val="C8A2C8"/>
           </a:solidFill>
           <a:ln>
             <a:solidFill>
-              <a:srgbClr val="FF66FF"/>
+              <a:srgbClr val="C8A2C8"/>
             </a:solidFill>
           </a:ln>
         </p:spPr>
@@ -27420,7 +27418,7 @@
         </p:blipFill>
         <p:spPr>
           <a:xfrm>
-            <a:off x="1528209" y="2625382"/>
+            <a:off x="1553413" y="2864565"/>
             <a:ext cx="1262340" cy="1128869"/>
           </a:xfrm>
           <a:prstGeom prst="rect">
